--- a/GreatPresentation_Part3.pptx
+++ b/GreatPresentation_Part3.pptx
@@ -3357,7 +3357,7 @@
           <p:nvPr/>
         </p:nvSpPr>
         <p:spPr>
-          <a:xfrm rot="5400000">
+          <a:xfrm rot="10800000">
             <a:off x="5486400" y="1828800"/>
             <a:ext cx="1828800" cy="1828800"/>
           </a:xfrm>
